--- a/Radar/Radar.pptx
+++ b/Radar/Radar.pptx
@@ -201,7 +201,7 @@
           <a:p>
             <a:fld id="{DD7A25D8-F173-4133-85F8-CB962D678EB5}" type="datetimeFigureOut">
               <a:rPr lang="de-DE" smtClean="0"/>
-              <a:t>09.01.2019</a:t>
+              <a:t>06.12.2019</a:t>
             </a:fld>
             <a:endParaRPr lang="de-DE"/>
           </a:p>
@@ -265,38 +265,37 @@
           <a:p>
             <a:pPr lvl="0"/>
             <a:r>
-              <a:rPr lang="de-DE" smtClean="0"/>
+              <a:rPr lang="de-DE"/>
               <a:t>Formatvorlagen des Textmasters bearbeiten</a:t>
             </a:r>
           </a:p>
           <a:p>
             <a:pPr lvl="1"/>
             <a:r>
-              <a:rPr lang="de-DE" smtClean="0"/>
+              <a:rPr lang="de-DE"/>
               <a:t>Zweite Ebene</a:t>
             </a:r>
           </a:p>
           <a:p>
             <a:pPr lvl="2"/>
             <a:r>
-              <a:rPr lang="de-DE" smtClean="0"/>
+              <a:rPr lang="de-DE"/>
               <a:t>Dritte Ebene</a:t>
             </a:r>
           </a:p>
           <a:p>
             <a:pPr lvl="3"/>
             <a:r>
-              <a:rPr lang="de-DE" smtClean="0"/>
+              <a:rPr lang="de-DE"/>
               <a:t>Vierte Ebene</a:t>
             </a:r>
           </a:p>
           <a:p>
             <a:pPr lvl="4"/>
             <a:r>
-              <a:rPr lang="de-DE" smtClean="0"/>
+              <a:rPr lang="de-DE"/>
               <a:t>Fünfte Ebene</a:t>
             </a:r>
-            <a:endParaRPr lang="de-DE"/>
           </a:p>
         </p:txBody>
       </p:sp>
@@ -511,7 +510,7 @@
           </a:lstStyle>
           <a:p>
             <a:r>
-              <a:rPr lang="de-DE" smtClean="0"/>
+              <a:rPr lang="de-DE"/>
               <a:t>Titelmasterformat durch Klicken bearbeiten</a:t>
             </a:r>
             <a:endParaRPr lang="en-US" dirty="0"/>
@@ -576,7 +575,7 @@
           </a:lstStyle>
           <a:p>
             <a:r>
-              <a:rPr lang="de-DE" smtClean="0"/>
+              <a:rPr lang="de-DE"/>
               <a:t>Formatvorlage des Untertitelmasters durch Klicken bearbeiten</a:t>
             </a:r>
             <a:endParaRPr lang="en-US" dirty="0"/>
@@ -600,7 +599,7 @@
           <a:p>
             <a:fld id="{FC9269F9-6F79-4414-A84E-D81C6C443C37}" type="datetimeFigureOut">
               <a:rPr lang="de-DE" smtClean="0"/>
-              <a:t>09.01.2019</a:t>
+              <a:t>06.12.2019</a:t>
             </a:fld>
             <a:endParaRPr lang="de-DE"/>
           </a:p>
@@ -658,13 +657,6 @@
   <p:clrMapOvr>
     <a:masterClrMapping/>
   </p:clrMapOvr>
-  <p:timing>
-    <p:tnLst>
-      <p:par>
-        <p:cTn id="1" dur="indefinite" restart="never" nodeType="tmRoot"/>
-      </p:par>
-    </p:tnLst>
-  </p:timing>
 </p:sldLayout>
 </file>
 
@@ -807,7 +799,7 @@
           </a:lstStyle>
           <a:p>
             <a:r>
-              <a:rPr lang="de-DE" dirty="0" smtClean="0"/>
+              <a:rPr lang="de-DE" dirty="0"/>
               <a:t>Titelmasterformat durch Klicken bearbeiten</a:t>
             </a:r>
             <a:endParaRPr lang="en-US" dirty="0"/>
@@ -1021,10 +1013,9 @@
           <a:p>
             <a:pPr lvl="0"/>
             <a:r>
-              <a:rPr lang="de-DE" dirty="0" smtClean="0"/>
+              <a:rPr lang="de-DE" dirty="0"/>
               <a:t>Aufgabentext</a:t>
             </a:r>
-            <a:endParaRPr lang="de-DE" dirty="0"/>
           </a:p>
         </p:txBody>
       </p:sp>
@@ -1051,10 +1042,9 @@
           <a:lstStyle/>
           <a:p>
             <a:r>
-              <a:rPr lang="de-DE" b="1" dirty="0" smtClean="0"/>
+              <a:rPr lang="de-DE" b="1" dirty="0"/>
               <a:t>Challenge</a:t>
             </a:r>
-            <a:endParaRPr lang="de-DE" b="1" dirty="0"/>
           </a:p>
         </p:txBody>
       </p:sp>
@@ -1091,10 +1081,9 @@
           <a:p>
             <a:pPr lvl="0"/>
             <a:r>
-              <a:rPr lang="de-DE" dirty="0" smtClean="0"/>
+              <a:rPr lang="de-DE" dirty="0"/>
               <a:t>Schwierigkeitsgrad</a:t>
             </a:r>
-            <a:endParaRPr lang="de-DE" dirty="0"/>
           </a:p>
         </p:txBody>
       </p:sp>
@@ -1131,7 +1120,7 @@
           <a:p>
             <a:pPr lvl="0"/>
             <a:r>
-              <a:rPr lang="de-DE" sz="3200" dirty="0" smtClean="0"/>
+              <a:rPr lang="de-DE" sz="3200" dirty="0"/>
               <a:t>N</a:t>
             </a:r>
             <a:endParaRPr lang="de-DE" dirty="0"/>
@@ -1249,6 +1238,42 @@
           </a:prstGeom>
         </p:spPr>
       </p:pic>
+      <p:pic>
+        <p:nvPicPr>
+          <p:cNvPr id="27" name="Grafik 26">
+            <a:extLst>
+              <a:ext uri="{FF2B5EF4-FFF2-40B4-BE49-F238E27FC236}">
+                <a16:creationId xmlns:a16="http://schemas.microsoft.com/office/drawing/2014/main" id="{25E10284-7972-42F1-8D43-9991E92D518C}"/>
+              </a:ext>
+            </a:extLst>
+          </p:cNvPr>
+          <p:cNvPicPr>
+            <a:picLocks noChangeAspect="1"/>
+          </p:cNvPicPr>
+          <p:nvPr userDrawn="1"/>
+        </p:nvPicPr>
+        <p:blipFill>
+          <a:blip r:embed="rId4" cstate="print">
+            <a:extLst>
+              <a:ext uri="{28A0092B-C50C-407E-A947-70E740481C1C}">
+                <a14:useLocalDpi xmlns:a14="http://schemas.microsoft.com/office/drawing/2010/main" val="0"/>
+              </a:ext>
+            </a:extLst>
+          </a:blip>
+          <a:stretch>
+            <a:fillRect/>
+          </a:stretch>
+        </p:blipFill>
+        <p:spPr>
+          <a:xfrm>
+            <a:off x="2074069" y="9099550"/>
+            <a:ext cx="381000" cy="571500"/>
+          </a:xfrm>
+          <a:prstGeom prst="rect">
+            <a:avLst/>
+          </a:prstGeom>
+        </p:spPr>
+      </p:pic>
     </p:spTree>
     <p:extLst>
       <p:ext uri="{BB962C8B-B14F-4D97-AF65-F5344CB8AC3E}">
@@ -1259,13 +1284,6 @@
   <p:clrMapOvr>
     <a:masterClrMapping/>
   </p:clrMapOvr>
-  <p:timing>
-    <p:tnLst>
-      <p:par>
-        <p:cTn id="1" dur="indefinite" restart="never" nodeType="tmRoot"/>
-      </p:par>
-    </p:tnLst>
-  </p:timing>
 </p:sldLayout>
 </file>
 
@@ -1328,7 +1346,10 @@
           <a:lstStyle/>
           <a:p>
             <a:pPr algn="ctr"/>
-            <a:endParaRPr lang="de-DE"/>
+            <a:r>
+              <a:rPr lang="de-DE"/>
+              <a:t> 	</a:t>
+            </a:r>
           </a:p>
         </p:txBody>
       </p:sp>
@@ -1408,7 +1429,7 @@
           </a:lstStyle>
           <a:p>
             <a:r>
-              <a:rPr lang="de-DE" dirty="0" smtClean="0"/>
+              <a:rPr lang="de-DE" dirty="0"/>
               <a:t>Titelmasterformat durch Klicken bearbeiten</a:t>
             </a:r>
             <a:endParaRPr lang="en-US" dirty="0"/>
@@ -1658,6 +1679,42 @@
           </a:prstGeom>
         </p:spPr>
       </p:pic>
+      <p:pic>
+        <p:nvPicPr>
+          <p:cNvPr id="20" name="Grafik 19">
+            <a:extLst>
+              <a:ext uri="{FF2B5EF4-FFF2-40B4-BE49-F238E27FC236}">
+                <a16:creationId xmlns:a16="http://schemas.microsoft.com/office/drawing/2014/main" id="{BE6D5EBF-E9F3-4E9E-94B7-55ADE2BE11F7}"/>
+              </a:ext>
+            </a:extLst>
+          </p:cNvPr>
+          <p:cNvPicPr>
+            <a:picLocks noChangeAspect="1"/>
+          </p:cNvPicPr>
+          <p:nvPr userDrawn="1"/>
+        </p:nvPicPr>
+        <p:blipFill>
+          <a:blip r:embed="rId4" cstate="print">
+            <a:extLst>
+              <a:ext uri="{28A0092B-C50C-407E-A947-70E740481C1C}">
+                <a14:useLocalDpi xmlns:a14="http://schemas.microsoft.com/office/drawing/2010/main" val="0"/>
+              </a:ext>
+            </a:extLst>
+          </a:blip>
+          <a:stretch>
+            <a:fillRect/>
+          </a:stretch>
+        </p:blipFill>
+        <p:spPr>
+          <a:xfrm>
+            <a:off x="2074069" y="9099550"/>
+            <a:ext cx="381000" cy="571500"/>
+          </a:xfrm>
+          <a:prstGeom prst="rect">
+            <a:avLst/>
+          </a:prstGeom>
+        </p:spPr>
+      </p:pic>
     </p:spTree>
     <p:extLst>
       <p:ext uri="{BB962C8B-B14F-4D97-AF65-F5344CB8AC3E}">
@@ -1668,13 +1725,6 @@
   <p:clrMapOvr>
     <a:masterClrMapping/>
   </p:clrMapOvr>
-  <p:timing>
-    <p:tnLst>
-      <p:par>
-        <p:cTn id="1" dur="indefinite" restart="never" nodeType="tmRoot"/>
-      </p:par>
-    </p:tnLst>
-  </p:timing>
 </p:sldLayout>
 </file>
 
@@ -1724,10 +1774,9 @@
           </a:lstStyle>
           <a:p>
             <a:r>
-              <a:rPr lang="de-DE" dirty="0" smtClean="0"/>
+              <a:rPr lang="de-DE" dirty="0"/>
               <a:t>Aufgabe</a:t>
             </a:r>
-            <a:endParaRPr lang="de-DE" dirty="0"/>
           </a:p>
         </p:txBody>
       </p:sp>
@@ -1748,7 +1797,7 @@
           <a:p>
             <a:fld id="{FC9269F9-6F79-4414-A84E-D81C6C443C37}" type="datetimeFigureOut">
               <a:rPr lang="de-DE" smtClean="0"/>
-              <a:t>09.01.2019</a:t>
+              <a:t>06.12.2019</a:t>
             </a:fld>
             <a:endParaRPr lang="de-DE"/>
           </a:p>
@@ -1800,14 +1849,11 @@
           <a:lstStyle/>
           <a:p>
             <a:r>
-              <a:rPr lang="de-DE" sz="3600" b="1" dirty="0" smtClean="0">
+              <a:rPr lang="de-DE" sz="3600" b="1" dirty="0">
                 <a:latin typeface="+mn-lt"/>
               </a:rPr>
               <a:t>Lösung</a:t>
             </a:r>
-            <a:endParaRPr lang="de-DE" sz="3600" b="1" dirty="0">
-              <a:latin typeface="+mn-lt"/>
-            </a:endParaRPr>
           </a:p>
         </p:txBody>
       </p:sp>
@@ -1870,10 +1916,9 @@
           <a:lstStyle/>
           <a:p>
             <a:r>
-              <a:rPr lang="de-DE" sz="1200" dirty="0" smtClean="0"/>
+              <a:rPr lang="de-DE" sz="1200" dirty="0"/>
               <a:t>Verwendete Befehlsgruppen</a:t>
             </a:r>
-            <a:endParaRPr lang="de-DE" sz="1200" dirty="0"/>
           </a:p>
         </p:txBody>
       </p:sp>
@@ -1960,10 +2005,9 @@
           <a:lstStyle/>
           <a:p>
             <a:r>
-              <a:rPr lang="de-DE" sz="1600" b="1" dirty="0" smtClean="0"/>
+              <a:rPr lang="de-DE" sz="1600" b="1" dirty="0"/>
               <a:t>Code</a:t>
             </a:r>
-            <a:endParaRPr lang="de-DE" sz="1600" b="1" dirty="0"/>
           </a:p>
         </p:txBody>
       </p:sp>
@@ -1999,38 +2043,37 @@
           <a:p>
             <a:pPr lvl="0"/>
             <a:r>
-              <a:rPr lang="de-DE" dirty="0" smtClean="0"/>
+              <a:rPr lang="de-DE" dirty="0"/>
               <a:t>Formatvorlagen des Textmasters bearbeiten</a:t>
             </a:r>
           </a:p>
           <a:p>
             <a:pPr lvl="1"/>
             <a:r>
-              <a:rPr lang="de-DE" dirty="0" smtClean="0"/>
+              <a:rPr lang="de-DE" dirty="0"/>
               <a:t>Zweite Ebene</a:t>
             </a:r>
           </a:p>
           <a:p>
             <a:pPr lvl="2"/>
             <a:r>
-              <a:rPr lang="de-DE" dirty="0" smtClean="0"/>
+              <a:rPr lang="de-DE" dirty="0"/>
               <a:t>Dritte Ebene</a:t>
             </a:r>
           </a:p>
           <a:p>
             <a:pPr lvl="3"/>
             <a:r>
-              <a:rPr lang="de-DE" dirty="0" smtClean="0"/>
+              <a:rPr lang="de-DE" dirty="0"/>
               <a:t>Vierte Ebene</a:t>
             </a:r>
           </a:p>
           <a:p>
             <a:pPr lvl="4"/>
             <a:r>
-              <a:rPr lang="de-DE" dirty="0" smtClean="0"/>
+              <a:rPr lang="de-DE" dirty="0"/>
               <a:t>Fünfte Ebene</a:t>
             </a:r>
-            <a:endParaRPr lang="de-DE" dirty="0"/>
           </a:p>
         </p:txBody>
       </p:sp>
@@ -2106,12 +2149,12 @@
           <a:p>
             <a:pPr algn="ctr"/>
             <a:r>
-              <a:rPr lang="de-DE" sz="1100" dirty="0" smtClean="0">
+              <a:rPr lang="de-DE" sz="1100" dirty="0">
                 <a:hlinkClick r:id="rId2"/>
               </a:rPr>
               <a:t>https://www.htw-dresden.de/kiss-mint</a:t>
             </a:r>
-            <a:endParaRPr lang="de-DE" sz="1100" dirty="0" smtClean="0"/>
+            <a:endParaRPr lang="de-DE" sz="1100" dirty="0"/>
           </a:p>
         </p:txBody>
       </p:sp>
@@ -2125,13 +2168,6 @@
   <p:clrMapOvr>
     <a:masterClrMapping/>
   </p:clrMapOvr>
-  <p:timing>
-    <p:tnLst>
-      <p:par>
-        <p:cTn id="1" dur="indefinite" restart="never" nodeType="tmRoot"/>
-      </p:par>
-    </p:tnLst>
-  </p:timing>
 </p:sldLayout>
 </file>
 
@@ -2179,10 +2215,9 @@
           </a:lstStyle>
           <a:p>
             <a:r>
-              <a:rPr lang="de-DE" dirty="0" smtClean="0"/>
+              <a:rPr lang="de-DE" dirty="0"/>
               <a:t>Titelmasterformat durch Klicken bearbeiten</a:t>
             </a:r>
-            <a:endParaRPr lang="de-DE" dirty="0"/>
           </a:p>
         </p:txBody>
       </p:sp>
@@ -2203,7 +2238,7 @@
           <a:p>
             <a:fld id="{FC9269F9-6F79-4414-A84E-D81C6C443C37}" type="datetimeFigureOut">
               <a:rPr lang="de-DE" smtClean="0"/>
-              <a:t>09.01.2019</a:t>
+              <a:t>06.12.2019</a:t>
             </a:fld>
             <a:endParaRPr lang="de-DE"/>
           </a:p>
@@ -2261,7 +2296,7 @@
           <a:p>
             <a:pPr lvl="0"/>
             <a:r>
-              <a:rPr lang="de-DE" b="1" dirty="0" smtClean="0"/>
+              <a:rPr lang="de-DE" b="1" dirty="0"/>
               <a:t>Rubrik</a:t>
             </a:r>
             <a:endParaRPr lang="de-DE" dirty="0"/>
@@ -2316,10 +2351,9 @@
           <a:p>
             <a:pPr lvl="0"/>
             <a:r>
-              <a:rPr lang="de-DE" dirty="0" smtClean="0"/>
+              <a:rPr lang="de-DE" dirty="0"/>
               <a:t>Formatvorlagen des Textmasters bearbeiten</a:t>
             </a:r>
-            <a:endParaRPr lang="de-DE" dirty="0"/>
           </a:p>
         </p:txBody>
       </p:sp>
@@ -2347,12 +2381,12 @@
           <a:p>
             <a:pPr algn="ctr"/>
             <a:r>
-              <a:rPr lang="de-DE" sz="1100" dirty="0" smtClean="0">
+              <a:rPr lang="de-DE" sz="1100" dirty="0">
                 <a:hlinkClick r:id="rId2"/>
               </a:rPr>
               <a:t>https://www.htw-dresden.de/kiss-mint</a:t>
             </a:r>
-            <a:endParaRPr lang="de-DE" sz="1100" dirty="0" smtClean="0"/>
+            <a:endParaRPr lang="de-DE" sz="1100" dirty="0"/>
           </a:p>
         </p:txBody>
       </p:sp>
@@ -2366,13 +2400,6 @@
   <p:clrMapOvr>
     <a:masterClrMapping/>
   </p:clrMapOvr>
-  <p:timing>
-    <p:tnLst>
-      <p:par>
-        <p:cTn id="1" dur="indefinite" restart="never" nodeType="tmRoot"/>
-      </p:par>
-    </p:tnLst>
-  </p:timing>
 </p:sldLayout>
 </file>
 
@@ -2660,34 +2687,34 @@
           <a:p>
             <a:pPr algn="ctr"/>
             <a:r>
-              <a:rPr lang="de-DE" b="1" dirty="0" smtClean="0"/>
+              <a:rPr lang="de-DE" b="1" dirty="0"/>
               <a:t>Veröffentlicht</a:t>
             </a:r>
             <a:r>
-              <a:rPr lang="de-DE" b="1" baseline="0" dirty="0" smtClean="0"/>
+              <a:rPr lang="de-DE" b="1" baseline="0" dirty="0"/>
               <a:t> unter CC BY SA</a:t>
             </a:r>
           </a:p>
           <a:p>
             <a:pPr algn="ctr"/>
-            <a:endParaRPr lang="de-DE" b="0" baseline="0" dirty="0" smtClean="0"/>
+            <a:endParaRPr lang="de-DE" b="0" baseline="0" dirty="0"/>
           </a:p>
           <a:p>
             <a:pPr algn="ctr"/>
             <a:r>
-              <a:rPr lang="de-DE" b="0" dirty="0" smtClean="0"/>
+              <a:rPr lang="de-DE" b="0" dirty="0"/>
               <a:t>Dieses Werk ist unter einer Creative </a:t>
             </a:r>
             <a:r>
-              <a:rPr lang="de-DE" b="0" dirty="0" err="1" smtClean="0"/>
+              <a:rPr lang="de-DE" b="0" dirty="0" err="1"/>
               <a:t>Commons</a:t>
             </a:r>
             <a:r>
-              <a:rPr lang="de-DE" b="0" dirty="0" smtClean="0"/>
+              <a:rPr lang="de-DE" b="0" dirty="0"/>
               <a:t> Lizenz vom Typ Namensnennung - Weitergabe unter gleichen Bedingungen 4.0 International zugänglich. Um eine Kopie dieser Lizenz einzusehen, konsultieren </a:t>
             </a:r>
             <a:r>
-              <a:rPr lang="de-DE" b="0" dirty="0" smtClean="0">
+              <a:rPr lang="de-DE" b="0" dirty="0">
                 <a:solidFill>
                   <a:schemeClr val="bg1"/>
                 </a:solidFill>
@@ -2695,18 +2722,17 @@
               <a:t>Sie http://creativecommons.org/licenses/by-sa/4.0/ oder </a:t>
             </a:r>
             <a:r>
-              <a:rPr lang="de-DE" b="0" dirty="0" smtClean="0"/>
+              <a:rPr lang="de-DE" b="0" dirty="0"/>
               <a:t>wenden Sie sich brieflich an Creative </a:t>
             </a:r>
             <a:r>
-              <a:rPr lang="de-DE" b="0" dirty="0" err="1" smtClean="0"/>
+              <a:rPr lang="de-DE" b="0" dirty="0" err="1"/>
               <a:t>Commons</a:t>
             </a:r>
             <a:r>
-              <a:rPr lang="de-DE" b="0" dirty="0" smtClean="0"/>
+              <a:rPr lang="de-DE" b="0" dirty="0"/>
               <a:t>, Postfach 1866, Mountain View, California, 94042, USA.</a:t>
             </a:r>
-            <a:endParaRPr lang="de-DE" b="0" dirty="0"/>
           </a:p>
         </p:txBody>
       </p:sp>
@@ -2865,38 +2891,37 @@
           <a:p>
             <a:pPr lvl="0"/>
             <a:r>
-              <a:rPr lang="de-DE" dirty="0" smtClean="0"/>
+              <a:rPr lang="de-DE" dirty="0"/>
               <a:t>Formatvorlagen des Textmasters bearbeiten</a:t>
             </a:r>
           </a:p>
           <a:p>
             <a:pPr lvl="1"/>
             <a:r>
-              <a:rPr lang="de-DE" dirty="0" smtClean="0"/>
+              <a:rPr lang="de-DE" dirty="0"/>
               <a:t>Zweite Ebene</a:t>
             </a:r>
           </a:p>
           <a:p>
             <a:pPr lvl="2"/>
             <a:r>
-              <a:rPr lang="de-DE" dirty="0" smtClean="0"/>
+              <a:rPr lang="de-DE" dirty="0"/>
               <a:t>Dritte Ebene</a:t>
             </a:r>
           </a:p>
           <a:p>
             <a:pPr lvl="3"/>
             <a:r>
-              <a:rPr lang="de-DE" dirty="0" smtClean="0"/>
+              <a:rPr lang="de-DE" dirty="0"/>
               <a:t>Vierte Ebene</a:t>
             </a:r>
           </a:p>
           <a:p>
             <a:pPr lvl="4"/>
             <a:r>
-              <a:rPr lang="de-DE" dirty="0" smtClean="0"/>
+              <a:rPr lang="de-DE" dirty="0"/>
               <a:t>Fünfte Ebene</a:t>
             </a:r>
-            <a:endParaRPr lang="de-DE" dirty="0"/>
           </a:p>
         </p:txBody>
       </p:sp>
@@ -2939,13 +2964,6 @@
   <p:clrMapOvr>
     <a:masterClrMapping/>
   </p:clrMapOvr>
-  <p:timing>
-    <p:tnLst>
-      <p:par>
-        <p:cTn id="1" dur="indefinite" restart="never" nodeType="tmRoot"/>
-      </p:par>
-    </p:tnLst>
-  </p:timing>
 </p:sldLayout>
 </file>
 
@@ -2993,10 +3011,9 @@
           </a:lstStyle>
           <a:p>
             <a:r>
-              <a:rPr lang="de-DE" dirty="0" smtClean="0"/>
+              <a:rPr lang="de-DE" dirty="0"/>
               <a:t>Titelmasterformat durch Klicken bearbeiten</a:t>
             </a:r>
-            <a:endParaRPr lang="de-DE" dirty="0"/>
           </a:p>
         </p:txBody>
       </p:sp>
@@ -3017,7 +3034,7 @@
           <a:p>
             <a:fld id="{FC9269F9-6F79-4414-A84E-D81C6C443C37}" type="datetimeFigureOut">
               <a:rPr lang="de-DE" smtClean="0"/>
-              <a:t>09.01.2019</a:t>
+              <a:t>06.12.2019</a:t>
             </a:fld>
             <a:endParaRPr lang="de-DE"/>
           </a:p>
@@ -3094,7 +3111,7 @@
           <a:p>
             <a:pPr lvl="0"/>
             <a:r>
-              <a:rPr lang="de-DE" b="1" dirty="0" smtClean="0"/>
+              <a:rPr lang="de-DE" b="1" dirty="0"/>
               <a:t>Rubrik</a:t>
             </a:r>
             <a:endParaRPr lang="de-DE" dirty="0"/>
@@ -3153,10 +3170,9 @@
           <a:p>
             <a:pPr lvl="0"/>
             <a:r>
-              <a:rPr lang="de-DE" dirty="0" smtClean="0"/>
+              <a:rPr lang="de-DE" dirty="0"/>
               <a:t>Formatvorlagen des Textmasters bearbeiten</a:t>
             </a:r>
-            <a:endParaRPr lang="de-DE" dirty="0"/>
           </a:p>
         </p:txBody>
       </p:sp>
@@ -3188,10 +3204,9 @@
           <a:p>
             <a:pPr lvl="0"/>
             <a:r>
-              <a:rPr lang="de-DE" dirty="0" smtClean="0"/>
+              <a:rPr lang="de-DE" dirty="0"/>
               <a:t>Legende</a:t>
             </a:r>
-            <a:endParaRPr lang="de-DE" dirty="0"/>
           </a:p>
         </p:txBody>
       </p:sp>
@@ -3205,13 +3220,6 @@
   <p:clrMapOvr>
     <a:masterClrMapping/>
   </p:clrMapOvr>
-  <p:timing>
-    <p:tnLst>
-      <p:par>
-        <p:cTn id="1" dur="indefinite" restart="never" nodeType="tmRoot"/>
-      </p:par>
-    </p:tnLst>
-  </p:timing>
 </p:sldLayout>
 </file>
 
@@ -3249,7 +3257,7 @@
           <a:p>
             <a:fld id="{FC9269F9-6F79-4414-A84E-D81C6C443C37}" type="datetimeFigureOut">
               <a:rPr lang="de-DE" smtClean="0"/>
-              <a:t>09.01.2019</a:t>
+              <a:t>06.12.2019</a:t>
             </a:fld>
             <a:endParaRPr lang="de-DE"/>
           </a:p>
@@ -3307,13 +3315,6 @@
   <p:clrMapOvr>
     <a:masterClrMapping/>
   </p:clrMapOvr>
-  <p:timing>
-    <p:tnLst>
-      <p:par>
-        <p:cTn id="1" dur="indefinite" restart="never" nodeType="tmRoot"/>
-      </p:par>
-    </p:tnLst>
-  </p:timing>
 </p:sldLayout>
 </file>
 
@@ -3365,7 +3366,7 @@
           <a:lstStyle/>
           <a:p>
             <a:r>
-              <a:rPr lang="de-DE" smtClean="0"/>
+              <a:rPr lang="de-DE"/>
               <a:t>Titelmasterformat durch Klicken bearbeiten</a:t>
             </a:r>
             <a:endParaRPr lang="en-US" dirty="0"/>
@@ -3399,35 +3400,35 @@
           <a:p>
             <a:pPr lvl="0"/>
             <a:r>
-              <a:rPr lang="de-DE" smtClean="0"/>
+              <a:rPr lang="de-DE"/>
               <a:t>Formatvorlagen des Textmasters bearbeiten</a:t>
             </a:r>
           </a:p>
           <a:p>
             <a:pPr lvl="1"/>
             <a:r>
-              <a:rPr lang="de-DE" smtClean="0"/>
+              <a:rPr lang="de-DE"/>
               <a:t>Zweite Ebene</a:t>
             </a:r>
           </a:p>
           <a:p>
             <a:pPr lvl="2"/>
             <a:r>
-              <a:rPr lang="de-DE" smtClean="0"/>
+              <a:rPr lang="de-DE"/>
               <a:t>Dritte Ebene</a:t>
             </a:r>
           </a:p>
           <a:p>
             <a:pPr lvl="3"/>
             <a:r>
-              <a:rPr lang="de-DE" smtClean="0"/>
+              <a:rPr lang="de-DE"/>
               <a:t>Vierte Ebene</a:t>
             </a:r>
           </a:p>
           <a:p>
             <a:pPr lvl="4"/>
             <a:r>
-              <a:rPr lang="de-DE" smtClean="0"/>
+              <a:rPr lang="de-DE"/>
               <a:t>Fünfte Ebene</a:t>
             </a:r>
             <a:endParaRPr lang="en-US" dirty="0"/>
@@ -3469,7 +3470,7 @@
           <a:p>
             <a:fld id="{FC9269F9-6F79-4414-A84E-D81C6C443C37}" type="datetimeFigureOut">
               <a:rPr lang="de-DE" smtClean="0"/>
-              <a:t>09.01.2019</a:t>
+              <a:t>06.12.2019</a:t>
             </a:fld>
             <a:endParaRPr lang="de-DE"/>
           </a:p>
@@ -3572,13 +3573,6 @@
     <p:sldLayoutId id="2147483674" r:id="rId7"/>
     <p:sldLayoutId id="2147483676" r:id="rId8"/>
   </p:sldLayoutIdLst>
-  <p:timing>
-    <p:tnLst>
-      <p:par>
-        <p:cTn id="1" dur="indefinite" restart="never" nodeType="tmRoot"/>
-      </p:par>
-    </p:tnLst>
-  </p:timing>
   <p:txStyles>
     <p:titleStyle>
       <a:lvl1pPr algn="l" defTabSz="685800" rtl="0" eaLnBrk="1" latinLnBrk="0" hangingPunct="1">
@@ -3926,10 +3920,9 @@
           <a:lstStyle/>
           <a:p>
             <a:r>
-              <a:rPr lang="de-DE" dirty="0" smtClean="0"/>
+              <a:rPr lang="de-DE" dirty="0"/>
               <a:t>Radar</a:t>
             </a:r>
-            <a:endParaRPr lang="de-DE" dirty="0"/>
           </a:p>
         </p:txBody>
       </p:sp>
@@ -3952,31 +3945,7 @@
           <a:p>
             <a:r>
               <a:rPr lang="de-DE" dirty="0"/>
-              <a:t>Übertragen </a:t>
-            </a:r>
-            <a:r>
-              <a:rPr lang="de-DE" dirty="0" smtClean="0"/>
-              <a:t>die </a:t>
-            </a:r>
-            <a:r>
-              <a:rPr lang="de-DE" dirty="0"/>
-              <a:t>Entfernungen des Ultraschallsensors zusammen mit </a:t>
-            </a:r>
-            <a:r>
-              <a:rPr lang="de-DE" dirty="0" smtClean="0"/>
-              <a:t>der </a:t>
-            </a:r>
-            <a:r>
-              <a:rPr lang="de-DE" dirty="0"/>
-              <a:t>Systemzeit und dem Winkel an das </a:t>
-            </a:r>
-            <a:r>
-              <a:rPr lang="de-DE" dirty="0" smtClean="0"/>
-              <a:t>Anzeigeprogramm auf deinem </a:t>
-            </a:r>
-            <a:r>
-              <a:rPr lang="de-DE" dirty="0"/>
-              <a:t>PC.</a:t>
+              <a:t>Übertragen die Entfernungen des Ultraschallsensors zusammen mit der Systemzeit und dem Winkel an das Anzeigeprogramm auf deinem PC.</a:t>
             </a:r>
           </a:p>
         </p:txBody>
@@ -3997,10 +3966,9 @@
           <a:lstStyle/>
           <a:p>
             <a:r>
-              <a:rPr lang="de-DE" dirty="0" smtClean="0"/>
+              <a:rPr lang="de-DE" dirty="0"/>
               <a:t>Für Fortgeschrittene</a:t>
             </a:r>
-            <a:endParaRPr lang="de-DE" dirty="0"/>
           </a:p>
         </p:txBody>
       </p:sp>
@@ -4063,13 +4031,6 @@
   <p:clrMapOvr>
     <a:masterClrMapping/>
   </p:clrMapOvr>
-  <p:timing>
-    <p:tnLst>
-      <p:par>
-        <p:cTn id="1" dur="indefinite" restart="never" nodeType="tmRoot"/>
-      </p:par>
-    </p:tnLst>
-  </p:timing>
 </p:sld>
 </file>
 
@@ -4117,11 +4078,7 @@
             </a:pPr>
             <a:r>
               <a:rPr lang="de-DE" sz="1600" b="1" dirty="0"/>
-              <a:t>Ursprüngliche </a:t>
-            </a:r>
-            <a:r>
-              <a:rPr lang="de-DE" sz="1600" b="1" dirty="0" smtClean="0"/>
-              <a:t>Idee</a:t>
+              <a:t>Ursprüngliche Idee</a:t>
             </a:r>
           </a:p>
           <a:p>
@@ -4136,33 +4093,32 @@
               <a:rPr lang="de-DE" dirty="0"/>
               <a:t> Radar Project</a:t>
             </a:r>
-            <a:endParaRPr lang="de-DE" dirty="0" smtClean="0"/>
           </a:p>
           <a:p>
             <a:pPr marL="0" indent="0">
               <a:buNone/>
             </a:pPr>
             <a:r>
-              <a:rPr lang="de-DE" dirty="0" err="1" smtClean="0"/>
+              <a:rPr lang="de-DE" dirty="0" err="1"/>
               <a:t>How</a:t>
             </a:r>
             <a:r>
-              <a:rPr lang="de-DE" dirty="0" smtClean="0"/>
+              <a:rPr lang="de-DE" dirty="0"/>
               <a:t> </a:t>
             </a:r>
             <a:r>
-              <a:rPr lang="de-DE" dirty="0" err="1" smtClean="0"/>
+              <a:rPr lang="de-DE" dirty="0" err="1"/>
               <a:t>to</a:t>
             </a:r>
             <a:r>
-              <a:rPr lang="de-DE" dirty="0" smtClean="0"/>
+              <a:rPr lang="de-DE" dirty="0"/>
               <a:t> </a:t>
             </a:r>
             <a:r>
-              <a:rPr lang="de-DE" dirty="0" err="1" smtClean="0"/>
+              <a:rPr lang="de-DE" dirty="0" err="1"/>
               <a:t>Mechatronics</a:t>
             </a:r>
-            <a:endParaRPr lang="de-DE" dirty="0" smtClean="0"/>
+            <a:endParaRPr lang="de-DE" dirty="0"/>
           </a:p>
           <a:p>
             <a:pPr marL="0" indent="0">
@@ -4172,28 +4128,18 @@
               <a:rPr lang="de-DE" dirty="0">
                 <a:hlinkClick r:id="rId2"/>
               </a:rPr>
-              <a:t>https://howtomechatronics.com/projects/arduino-radar-project</a:t>
-            </a:r>
-            <a:r>
-              <a:rPr lang="de-DE" dirty="0" smtClean="0">
-                <a:hlinkClick r:id="rId2"/>
-              </a:rPr>
-              <a:t>/</a:t>
-            </a:r>
-            <a:r>
-              <a:rPr lang="de-DE" dirty="0" smtClean="0"/>
+              <a:t>https://howtomechatronics.com/projects/arduino-radar-project/</a:t>
+            </a:r>
+            <a:r>
+              <a:rPr lang="de-DE" dirty="0"/>
               <a:t> </a:t>
             </a:r>
-            <a:endParaRPr lang="de-DE" sz="1800" dirty="0" smtClean="0"/>
+            <a:endParaRPr lang="de-DE" sz="1800" dirty="0"/>
           </a:p>
           <a:p>
             <a:pPr marL="0" indent="0">
               <a:buNone/>
             </a:pPr>
-            <a:r>
-              <a:rPr lang="de-DE" sz="1800" dirty="0"/>
-              <a:t/>
-            </a:r>
             <a:br>
               <a:rPr lang="de-DE" sz="1800" dirty="0"/>
             </a:br>

--- a/Radar/Radar.pptx
+++ b/Radar/Radar.pptx
@@ -201,7 +201,7 @@
           <a:p>
             <a:fld id="{DD7A25D8-F173-4133-85F8-CB962D678EB5}" type="datetimeFigureOut">
               <a:rPr lang="de-DE" smtClean="0"/>
-              <a:t>06.12.2019</a:t>
+              <a:t>09.12.2019</a:t>
             </a:fld>
             <a:endParaRPr lang="de-DE"/>
           </a:p>
@@ -599,7 +599,7 @@
           <a:p>
             <a:fld id="{FC9269F9-6F79-4414-A84E-D81C6C443C37}" type="datetimeFigureOut">
               <a:rPr lang="de-DE" smtClean="0"/>
-              <a:t>06.12.2019</a:t>
+              <a:t>09.12.2019</a:t>
             </a:fld>
             <a:endParaRPr lang="de-DE"/>
           </a:p>
@@ -1797,7 +1797,7 @@
           <a:p>
             <a:fld id="{FC9269F9-6F79-4414-A84E-D81C6C443C37}" type="datetimeFigureOut">
               <a:rPr lang="de-DE" smtClean="0"/>
-              <a:t>06.12.2019</a:t>
+              <a:t>09.12.2019</a:t>
             </a:fld>
             <a:endParaRPr lang="de-DE"/>
           </a:p>
@@ -2122,39 +2122,6 @@
           <a:lstStyle/>
           <a:p>
             <a:endParaRPr lang="de-DE"/>
-          </a:p>
-        </p:txBody>
-      </p:sp>
-      <p:sp>
-        <p:nvSpPr>
-          <p:cNvPr id="15" name="Textfeld 14"/>
-          <p:cNvSpPr txBox="1"/>
-          <p:nvPr userDrawn="1"/>
-        </p:nvSpPr>
-        <p:spPr>
-          <a:xfrm>
-            <a:off x="2033534" y="9314293"/>
-            <a:ext cx="2449033" cy="261610"/>
-          </a:xfrm>
-          <a:prstGeom prst="rect">
-            <a:avLst/>
-          </a:prstGeom>
-          <a:noFill/>
-        </p:spPr>
-        <p:txBody>
-          <a:bodyPr wrap="square" rtlCol="0">
-            <a:spAutoFit/>
-          </a:bodyPr>
-          <a:lstStyle/>
-          <a:p>
-            <a:pPr algn="ctr"/>
-            <a:r>
-              <a:rPr lang="de-DE" sz="1100" dirty="0">
-                <a:hlinkClick r:id="rId2"/>
-              </a:rPr>
-              <a:t>https://www.htw-dresden.de/kiss-mint</a:t>
-            </a:r>
-            <a:endParaRPr lang="de-DE" sz="1100" dirty="0"/>
           </a:p>
         </p:txBody>
       </p:sp>
@@ -2238,7 +2205,7 @@
           <a:p>
             <a:fld id="{FC9269F9-6F79-4414-A84E-D81C6C443C37}" type="datetimeFigureOut">
               <a:rPr lang="de-DE" smtClean="0"/>
-              <a:t>06.12.2019</a:t>
+              <a:t>09.12.2019</a:t>
             </a:fld>
             <a:endParaRPr lang="de-DE"/>
           </a:p>
@@ -2354,39 +2321,6 @@
               <a:rPr lang="de-DE" dirty="0"/>
               <a:t>Formatvorlagen des Textmasters bearbeiten</a:t>
             </a:r>
-          </a:p>
-        </p:txBody>
-      </p:sp>
-      <p:sp>
-        <p:nvSpPr>
-          <p:cNvPr id="11" name="Textfeld 10"/>
-          <p:cNvSpPr txBox="1"/>
-          <p:nvPr userDrawn="1"/>
-        </p:nvSpPr>
-        <p:spPr>
-          <a:xfrm>
-            <a:off x="2033534" y="9314293"/>
-            <a:ext cx="2449033" cy="261610"/>
-          </a:xfrm>
-          <a:prstGeom prst="rect">
-            <a:avLst/>
-          </a:prstGeom>
-          <a:noFill/>
-        </p:spPr>
-        <p:txBody>
-          <a:bodyPr wrap="square" rtlCol="0">
-            <a:spAutoFit/>
-          </a:bodyPr>
-          <a:lstStyle/>
-          <a:p>
-            <a:pPr algn="ctr"/>
-            <a:r>
-              <a:rPr lang="de-DE" sz="1100" dirty="0">
-                <a:hlinkClick r:id="rId2"/>
-              </a:rPr>
-              <a:t>https://www.htw-dresden.de/kiss-mint</a:t>
-            </a:r>
-            <a:endParaRPr lang="de-DE" sz="1100" dirty="0"/>
           </a:p>
         </p:txBody>
       </p:sp>
@@ -3034,7 +2968,7 @@
           <a:p>
             <a:fld id="{FC9269F9-6F79-4414-A84E-D81C6C443C37}" type="datetimeFigureOut">
               <a:rPr lang="de-DE" smtClean="0"/>
-              <a:t>06.12.2019</a:t>
+              <a:t>09.12.2019</a:t>
             </a:fld>
             <a:endParaRPr lang="de-DE"/>
           </a:p>
@@ -3257,7 +3191,7 @@
           <a:p>
             <a:fld id="{FC9269F9-6F79-4414-A84E-D81C6C443C37}" type="datetimeFigureOut">
               <a:rPr lang="de-DE" smtClean="0"/>
-              <a:t>06.12.2019</a:t>
+              <a:t>09.12.2019</a:t>
             </a:fld>
             <a:endParaRPr lang="de-DE"/>
           </a:p>
@@ -3470,7 +3404,7 @@
           <a:p>
             <a:fld id="{FC9269F9-6F79-4414-A84E-D81C6C443C37}" type="datetimeFigureOut">
               <a:rPr lang="de-DE" smtClean="0"/>
-              <a:t>06.12.2019</a:t>
+              <a:t>09.12.2019</a:t>
             </a:fld>
             <a:endParaRPr lang="de-DE"/>
           </a:p>
@@ -3555,6 +3489,149 @@
           </a:p>
         </p:txBody>
       </p:sp>
+      <p:pic>
+        <p:nvPicPr>
+          <p:cNvPr id="7" name="Grafik 6">
+            <a:extLst>
+              <a:ext uri="{FF2B5EF4-FFF2-40B4-BE49-F238E27FC236}">
+                <a16:creationId xmlns:a16="http://schemas.microsoft.com/office/drawing/2014/main" id="{36BF9131-13DF-42B6-9FEC-281110F82A5C}"/>
+              </a:ext>
+            </a:extLst>
+          </p:cNvPr>
+          <p:cNvPicPr>
+            <a:picLocks noChangeAspect="1"/>
+          </p:cNvPicPr>
+          <p:nvPr userDrawn="1"/>
+        </p:nvPicPr>
+        <p:blipFill>
+          <a:blip r:embed="rId10" cstate="print">
+            <a:extLst>
+              <a:ext uri="{28A0092B-C50C-407E-A947-70E740481C1C}">
+                <a14:useLocalDpi xmlns:a14="http://schemas.microsoft.com/office/drawing/2010/main" val="0"/>
+              </a:ext>
+            </a:extLst>
+          </a:blip>
+          <a:stretch>
+            <a:fillRect/>
+          </a:stretch>
+        </p:blipFill>
+        <p:spPr>
+          <a:xfrm>
+            <a:off x="4501564" y="9267750"/>
+            <a:ext cx="1884949" cy="324000"/>
+          </a:xfrm>
+          <a:prstGeom prst="rect">
+            <a:avLst/>
+          </a:prstGeom>
+        </p:spPr>
+      </p:pic>
+      <p:pic>
+        <p:nvPicPr>
+          <p:cNvPr id="8" name="Grafik 7">
+            <a:extLst>
+              <a:ext uri="{FF2B5EF4-FFF2-40B4-BE49-F238E27FC236}">
+                <a16:creationId xmlns:a16="http://schemas.microsoft.com/office/drawing/2014/main" id="{824006DE-0FA7-46ED-B3A9-2DEF716CC058}"/>
+              </a:ext>
+            </a:extLst>
+          </p:cNvPr>
+          <p:cNvPicPr>
+            <a:picLocks noChangeAspect="1"/>
+          </p:cNvPicPr>
+          <p:nvPr userDrawn="1"/>
+        </p:nvPicPr>
+        <p:blipFill rotWithShape="1">
+          <a:blip r:embed="rId11" cstate="print">
+            <a:extLst>
+              <a:ext uri="{28A0092B-C50C-407E-A947-70E740481C1C}">
+                <a14:useLocalDpi xmlns:a14="http://schemas.microsoft.com/office/drawing/2010/main" val="0"/>
+              </a:ext>
+            </a:extLst>
+          </a:blip>
+          <a:srcRect t="15984" b="15885"/>
+          <a:stretch/>
+        </p:blipFill>
+        <p:spPr>
+          <a:xfrm>
+            <a:off x="471488" y="9224307"/>
+            <a:ext cx="1604044" cy="453441"/>
+          </a:xfrm>
+          <a:prstGeom prst="rect">
+            <a:avLst/>
+          </a:prstGeom>
+        </p:spPr>
+      </p:pic>
+      <p:pic>
+        <p:nvPicPr>
+          <p:cNvPr id="9" name="Grafik 8">
+            <a:extLst>
+              <a:ext uri="{FF2B5EF4-FFF2-40B4-BE49-F238E27FC236}">
+                <a16:creationId xmlns:a16="http://schemas.microsoft.com/office/drawing/2014/main" id="{A851B62C-93EE-49A3-92C2-468405CB4294}"/>
+              </a:ext>
+            </a:extLst>
+          </p:cNvPr>
+          <p:cNvPicPr>
+            <a:picLocks noChangeAspect="1"/>
+          </p:cNvPicPr>
+          <p:nvPr userDrawn="1"/>
+        </p:nvPicPr>
+        <p:blipFill>
+          <a:blip r:embed="rId12" cstate="print">
+            <a:extLst>
+              <a:ext uri="{28A0092B-C50C-407E-A947-70E740481C1C}">
+                <a14:useLocalDpi xmlns:a14="http://schemas.microsoft.com/office/drawing/2010/main" val="0"/>
+              </a:ext>
+            </a:extLst>
+          </a:blip>
+          <a:stretch>
+            <a:fillRect/>
+          </a:stretch>
+        </p:blipFill>
+        <p:spPr>
+          <a:xfrm>
+            <a:off x="2074069" y="9099550"/>
+            <a:ext cx="381000" cy="571500"/>
+          </a:xfrm>
+          <a:prstGeom prst="rect">
+            <a:avLst/>
+          </a:prstGeom>
+        </p:spPr>
+      </p:pic>
+      <p:pic>
+        <p:nvPicPr>
+          <p:cNvPr id="10" name="Grafik 9">
+            <a:extLst>
+              <a:ext uri="{FF2B5EF4-FFF2-40B4-BE49-F238E27FC236}">
+                <a16:creationId xmlns:a16="http://schemas.microsoft.com/office/drawing/2014/main" id="{C6F2B865-89B2-45A2-854B-E83CA9C3DFB6}"/>
+              </a:ext>
+            </a:extLst>
+          </p:cNvPr>
+          <p:cNvPicPr>
+            <a:picLocks noChangeAspect="1"/>
+          </p:cNvPicPr>
+          <p:nvPr userDrawn="1"/>
+        </p:nvPicPr>
+        <p:blipFill>
+          <a:blip r:embed="rId13" cstate="print">
+            <a:extLst>
+              <a:ext uri="{28A0092B-C50C-407E-A947-70E740481C1C}">
+                <a14:useLocalDpi xmlns:a14="http://schemas.microsoft.com/office/drawing/2010/main" val="0"/>
+              </a:ext>
+            </a:extLst>
+          </a:blip>
+          <a:stretch>
+            <a:fillRect/>
+          </a:stretch>
+        </p:blipFill>
+        <p:spPr>
+          <a:xfrm>
+            <a:off x="3590172" y="8960427"/>
+            <a:ext cx="911392" cy="911392"/>
+          </a:xfrm>
+          <a:prstGeom prst="rect">
+            <a:avLst/>
+          </a:prstGeom>
+        </p:spPr>
+      </p:pic>
     </p:spTree>
     <p:extLst>
       <p:ext uri="{BB962C8B-B14F-4D97-AF65-F5344CB8AC3E}">

--- a/Radar/Radar.pptx
+++ b/Radar/Radar.pptx
@@ -201,7 +201,7 @@
           <a:p>
             <a:fld id="{DD7A25D8-F173-4133-85F8-CB962D678EB5}" type="datetimeFigureOut">
               <a:rPr lang="de-DE" smtClean="0"/>
-              <a:t>09.12.2019</a:t>
+              <a:t>16.03.2020</a:t>
             </a:fld>
             <a:endParaRPr lang="de-DE"/>
           </a:p>
@@ -599,7 +599,7 @@
           <a:p>
             <a:fld id="{FC9269F9-6F79-4414-A84E-D81C6C443C37}" type="datetimeFigureOut">
               <a:rPr lang="de-DE" smtClean="0"/>
-              <a:t>09.12.2019</a:t>
+              <a:t>16.03.2020</a:t>
             </a:fld>
             <a:endParaRPr lang="de-DE"/>
           </a:p>
@@ -1797,7 +1797,7 @@
           <a:p>
             <a:fld id="{FC9269F9-6F79-4414-A84E-D81C6C443C37}" type="datetimeFigureOut">
               <a:rPr lang="de-DE" smtClean="0"/>
-              <a:t>09.12.2019</a:t>
+              <a:t>16.03.2020</a:t>
             </a:fld>
             <a:endParaRPr lang="de-DE"/>
           </a:p>
@@ -2205,7 +2205,7 @@
           <a:p>
             <a:fld id="{FC9269F9-6F79-4414-A84E-D81C6C443C37}" type="datetimeFigureOut">
               <a:rPr lang="de-DE" smtClean="0"/>
-              <a:t>09.12.2019</a:t>
+              <a:t>16.03.2020</a:t>
             </a:fld>
             <a:endParaRPr lang="de-DE"/>
           </a:p>
@@ -2968,7 +2968,7 @@
           <a:p>
             <a:fld id="{FC9269F9-6F79-4414-A84E-D81C6C443C37}" type="datetimeFigureOut">
               <a:rPr lang="de-DE" smtClean="0"/>
-              <a:t>09.12.2019</a:t>
+              <a:t>16.03.2020</a:t>
             </a:fld>
             <a:endParaRPr lang="de-DE"/>
           </a:p>
@@ -3191,7 +3191,7 @@
           <a:p>
             <a:fld id="{FC9269F9-6F79-4414-A84E-D81C6C443C37}" type="datetimeFigureOut">
               <a:rPr lang="de-DE" smtClean="0"/>
-              <a:t>09.12.2019</a:t>
+              <a:t>16.03.2020</a:t>
             </a:fld>
             <a:endParaRPr lang="de-DE"/>
           </a:p>
@@ -3404,7 +3404,7 @@
           <a:p>
             <a:fld id="{FC9269F9-6F79-4414-A84E-D81C6C443C37}" type="datetimeFigureOut">
               <a:rPr lang="de-DE" smtClean="0"/>
-              <a:t>09.12.2019</a:t>
+              <a:t>16.03.2020</a:t>
             </a:fld>
             <a:endParaRPr lang="de-DE"/>
           </a:p>
@@ -4022,7 +4022,15 @@
           <a:p>
             <a:r>
               <a:rPr lang="de-DE" dirty="0"/>
-              <a:t>Übertragen die Entfernungen des Ultraschallsensors zusammen mit der Systemzeit und dem Winkel an das Anzeigeprogramm auf deinem PC.</a:t>
+              <a:t>Übertrage die </a:t>
+            </a:r>
+            <a:r>
+              <a:rPr lang="de-DE"/>
+              <a:t>gerade gemessenen Entfernungen </a:t>
+            </a:r>
+            <a:r>
+              <a:rPr lang="de-DE" dirty="0"/>
+              <a:t>des Ultraschallsensors zusammen mit der Systemzeit und dem Winkel an das Anzeigeprogramm auf deinem PC.</a:t>
             </a:r>
           </a:p>
         </p:txBody>
